--- a/Chap/OOProg01/Presentations/ClassCollaboration.pptx
+++ b/Chap/OOProg01/Presentations/ClassCollaboration.pptx
@@ -251,7 +251,7 @@
           <a:p>
             <a:fld id="{E15B7D8E-2A20-4C0E-991C-872DBB7459A8}" type="datetimeFigureOut">
               <a:rPr lang="da-DK" smtClean="0"/>
-              <a:t>11-08-2022</a:t>
+              <a:t>24-08-2024</a:t>
             </a:fld>
             <a:endParaRPr lang="da-DK"/>
           </a:p>
@@ -309,6 +309,18 @@
   <p:clrMapOvr>
     <a:masterClrMapping/>
   </p:clrMapOvr>
+  <mc:AlternateContent xmlns:mc="http://schemas.openxmlformats.org/markup-compatibility/2006">
+    <mc:Choice xmlns:p14="http://schemas.microsoft.com/office/powerpoint/2010/main" Requires="p14">
+      <p:transition spd="med" p14:dur="700">
+        <p:fade/>
+      </p:transition>
+    </mc:Choice>
+    <mc:Fallback>
+      <p:transition spd="med">
+        <p:fade/>
+      </p:transition>
+    </mc:Fallback>
+  </mc:AlternateContent>
 </p:sldLayout>
 </file>
 
@@ -419,7 +431,7 @@
           <a:p>
             <a:fld id="{E15B7D8E-2A20-4C0E-991C-872DBB7459A8}" type="datetimeFigureOut">
               <a:rPr lang="da-DK" smtClean="0"/>
-              <a:t>11-08-2022</a:t>
+              <a:t>24-08-2024</a:t>
             </a:fld>
             <a:endParaRPr lang="da-DK"/>
           </a:p>
@@ -477,6 +489,18 @@
   <p:clrMapOvr>
     <a:masterClrMapping/>
   </p:clrMapOvr>
+  <mc:AlternateContent xmlns:mc="http://schemas.openxmlformats.org/markup-compatibility/2006">
+    <mc:Choice xmlns:p14="http://schemas.microsoft.com/office/powerpoint/2010/main" Requires="p14">
+      <p:transition spd="med" p14:dur="700">
+        <p:fade/>
+      </p:transition>
+    </mc:Choice>
+    <mc:Fallback>
+      <p:transition spd="med">
+        <p:fade/>
+      </p:transition>
+    </mc:Fallback>
+  </mc:AlternateContent>
 </p:sldLayout>
 </file>
 
@@ -597,7 +621,7 @@
           <a:p>
             <a:fld id="{E15B7D8E-2A20-4C0E-991C-872DBB7459A8}" type="datetimeFigureOut">
               <a:rPr lang="da-DK" smtClean="0"/>
-              <a:t>11-08-2022</a:t>
+              <a:t>24-08-2024</a:t>
             </a:fld>
             <a:endParaRPr lang="da-DK"/>
           </a:p>
@@ -655,6 +679,18 @@
   <p:clrMapOvr>
     <a:masterClrMapping/>
   </p:clrMapOvr>
+  <mc:AlternateContent xmlns:mc="http://schemas.openxmlformats.org/markup-compatibility/2006">
+    <mc:Choice xmlns:p14="http://schemas.microsoft.com/office/powerpoint/2010/main" Requires="p14">
+      <p:transition spd="med" p14:dur="700">
+        <p:fade/>
+      </p:transition>
+    </mc:Choice>
+    <mc:Fallback>
+      <p:transition spd="med">
+        <p:fade/>
+      </p:transition>
+    </mc:Fallback>
+  </mc:AlternateContent>
 </p:sldLayout>
 </file>
 
@@ -765,7 +801,7 @@
           <a:p>
             <a:fld id="{E15B7D8E-2A20-4C0E-991C-872DBB7459A8}" type="datetimeFigureOut">
               <a:rPr lang="da-DK" smtClean="0"/>
-              <a:t>11-08-2022</a:t>
+              <a:t>24-08-2024</a:t>
             </a:fld>
             <a:endParaRPr lang="da-DK"/>
           </a:p>
@@ -823,6 +859,18 @@
   <p:clrMapOvr>
     <a:masterClrMapping/>
   </p:clrMapOvr>
+  <mc:AlternateContent xmlns:mc="http://schemas.openxmlformats.org/markup-compatibility/2006">
+    <mc:Choice xmlns:p14="http://schemas.microsoft.com/office/powerpoint/2010/main" Requires="p14">
+      <p:transition spd="med" p14:dur="700">
+        <p:fade/>
+      </p:transition>
+    </mc:Choice>
+    <mc:Fallback>
+      <p:transition spd="med">
+        <p:fade/>
+      </p:transition>
+    </mc:Fallback>
+  </mc:AlternateContent>
 </p:sldLayout>
 </file>
 
@@ -1010,7 +1058,7 @@
           <a:p>
             <a:fld id="{E15B7D8E-2A20-4C0E-991C-872DBB7459A8}" type="datetimeFigureOut">
               <a:rPr lang="da-DK" smtClean="0"/>
-              <a:t>11-08-2022</a:t>
+              <a:t>24-08-2024</a:t>
             </a:fld>
             <a:endParaRPr lang="da-DK"/>
           </a:p>
@@ -1068,6 +1116,18 @@
   <p:clrMapOvr>
     <a:masterClrMapping/>
   </p:clrMapOvr>
+  <mc:AlternateContent xmlns:mc="http://schemas.openxmlformats.org/markup-compatibility/2006">
+    <mc:Choice xmlns:p14="http://schemas.microsoft.com/office/powerpoint/2010/main" Requires="p14">
+      <p:transition spd="med" p14:dur="700">
+        <p:fade/>
+      </p:transition>
+    </mc:Choice>
+    <mc:Fallback>
+      <p:transition spd="med">
+        <p:fade/>
+      </p:transition>
+    </mc:Fallback>
+  </mc:AlternateContent>
 </p:sldLayout>
 </file>
 
@@ -1239,7 +1299,7 @@
           <a:p>
             <a:fld id="{E15B7D8E-2A20-4C0E-991C-872DBB7459A8}" type="datetimeFigureOut">
               <a:rPr lang="da-DK" smtClean="0"/>
-              <a:t>11-08-2022</a:t>
+              <a:t>24-08-2024</a:t>
             </a:fld>
             <a:endParaRPr lang="da-DK"/>
           </a:p>
@@ -1297,6 +1357,18 @@
   <p:clrMapOvr>
     <a:masterClrMapping/>
   </p:clrMapOvr>
+  <mc:AlternateContent xmlns:mc="http://schemas.openxmlformats.org/markup-compatibility/2006">
+    <mc:Choice xmlns:p14="http://schemas.microsoft.com/office/powerpoint/2010/main" Requires="p14">
+      <p:transition spd="med" p14:dur="700">
+        <p:fade/>
+      </p:transition>
+    </mc:Choice>
+    <mc:Fallback>
+      <p:transition spd="med">
+        <p:fade/>
+      </p:transition>
+    </mc:Fallback>
+  </mc:AlternateContent>
 </p:sldLayout>
 </file>
 
@@ -1603,7 +1675,7 @@
           <a:p>
             <a:fld id="{E15B7D8E-2A20-4C0E-991C-872DBB7459A8}" type="datetimeFigureOut">
               <a:rPr lang="da-DK" smtClean="0"/>
-              <a:t>11-08-2022</a:t>
+              <a:t>24-08-2024</a:t>
             </a:fld>
             <a:endParaRPr lang="da-DK"/>
           </a:p>
@@ -1661,6 +1733,18 @@
   <p:clrMapOvr>
     <a:masterClrMapping/>
   </p:clrMapOvr>
+  <mc:AlternateContent xmlns:mc="http://schemas.openxmlformats.org/markup-compatibility/2006">
+    <mc:Choice xmlns:p14="http://schemas.microsoft.com/office/powerpoint/2010/main" Requires="p14">
+      <p:transition spd="med" p14:dur="700">
+        <p:fade/>
+      </p:transition>
+    </mc:Choice>
+    <mc:Fallback>
+      <p:transition spd="med">
+        <p:fade/>
+      </p:transition>
+    </mc:Fallback>
+  </mc:AlternateContent>
 </p:sldLayout>
 </file>
 
@@ -1720,7 +1804,7 @@
           <a:p>
             <a:fld id="{E15B7D8E-2A20-4C0E-991C-872DBB7459A8}" type="datetimeFigureOut">
               <a:rPr lang="da-DK" smtClean="0"/>
-              <a:t>11-08-2022</a:t>
+              <a:t>24-08-2024</a:t>
             </a:fld>
             <a:endParaRPr lang="da-DK"/>
           </a:p>
@@ -1778,6 +1862,18 @@
   <p:clrMapOvr>
     <a:masterClrMapping/>
   </p:clrMapOvr>
+  <mc:AlternateContent xmlns:mc="http://schemas.openxmlformats.org/markup-compatibility/2006">
+    <mc:Choice xmlns:p14="http://schemas.microsoft.com/office/powerpoint/2010/main" Requires="p14">
+      <p:transition spd="med" p14:dur="700">
+        <p:fade/>
+      </p:transition>
+    </mc:Choice>
+    <mc:Fallback>
+      <p:transition spd="med">
+        <p:fade/>
+      </p:transition>
+    </mc:Fallback>
+  </mc:AlternateContent>
 </p:sldLayout>
 </file>
 
@@ -1815,7 +1911,7 @@
           <a:p>
             <a:fld id="{E15B7D8E-2A20-4C0E-991C-872DBB7459A8}" type="datetimeFigureOut">
               <a:rPr lang="da-DK" smtClean="0"/>
-              <a:t>11-08-2022</a:t>
+              <a:t>24-08-2024</a:t>
             </a:fld>
             <a:endParaRPr lang="da-DK"/>
           </a:p>
@@ -1873,6 +1969,18 @@
   <p:clrMapOvr>
     <a:masterClrMapping/>
   </p:clrMapOvr>
+  <mc:AlternateContent xmlns:mc="http://schemas.openxmlformats.org/markup-compatibility/2006">
+    <mc:Choice xmlns:p14="http://schemas.microsoft.com/office/powerpoint/2010/main" Requires="p14">
+      <p:transition spd="med" p14:dur="700">
+        <p:fade/>
+      </p:transition>
+    </mc:Choice>
+    <mc:Fallback>
+      <p:transition spd="med">
+        <p:fade/>
+      </p:transition>
+    </mc:Fallback>
+  </mc:AlternateContent>
 </p:sldLayout>
 </file>
 
@@ -2090,7 +2198,7 @@
           <a:p>
             <a:fld id="{E15B7D8E-2A20-4C0E-991C-872DBB7459A8}" type="datetimeFigureOut">
               <a:rPr lang="da-DK" smtClean="0"/>
-              <a:t>11-08-2022</a:t>
+              <a:t>24-08-2024</a:t>
             </a:fld>
             <a:endParaRPr lang="da-DK"/>
           </a:p>
@@ -2148,6 +2256,18 @@
   <p:clrMapOvr>
     <a:masterClrMapping/>
   </p:clrMapOvr>
+  <mc:AlternateContent xmlns:mc="http://schemas.openxmlformats.org/markup-compatibility/2006">
+    <mc:Choice xmlns:p14="http://schemas.microsoft.com/office/powerpoint/2010/main" Requires="p14">
+      <p:transition spd="med" p14:dur="700">
+        <p:fade/>
+      </p:transition>
+    </mc:Choice>
+    <mc:Fallback>
+      <p:transition spd="med">
+        <p:fade/>
+      </p:transition>
+    </mc:Fallback>
+  </mc:AlternateContent>
 </p:sldLayout>
 </file>
 
@@ -2342,7 +2462,7 @@
           <a:p>
             <a:fld id="{E15B7D8E-2A20-4C0E-991C-872DBB7459A8}" type="datetimeFigureOut">
               <a:rPr lang="da-DK" smtClean="0"/>
-              <a:t>11-08-2022</a:t>
+              <a:t>24-08-2024</a:t>
             </a:fld>
             <a:endParaRPr lang="da-DK"/>
           </a:p>
@@ -2400,6 +2520,18 @@
   <p:clrMapOvr>
     <a:masterClrMapping/>
   </p:clrMapOvr>
+  <mc:AlternateContent xmlns:mc="http://schemas.openxmlformats.org/markup-compatibility/2006">
+    <mc:Choice xmlns:p14="http://schemas.microsoft.com/office/powerpoint/2010/main" Requires="p14">
+      <p:transition spd="med" p14:dur="700">
+        <p:fade/>
+      </p:transition>
+    </mc:Choice>
+    <mc:Fallback>
+      <p:transition spd="med">
+        <p:fade/>
+      </p:transition>
+    </mc:Fallback>
+  </mc:AlternateContent>
 </p:sldLayout>
 </file>
 
@@ -2553,7 +2685,7 @@
           <a:p>
             <a:fld id="{E15B7D8E-2A20-4C0E-991C-872DBB7459A8}" type="datetimeFigureOut">
               <a:rPr lang="da-DK" smtClean="0"/>
-              <a:t>11-08-2022</a:t>
+              <a:t>24-08-2024</a:t>
             </a:fld>
             <a:endParaRPr lang="da-DK"/>
           </a:p>
@@ -2658,6 +2790,18 @@
     <p:sldLayoutId id="2147483658" r:id="rId10"/>
     <p:sldLayoutId id="2147483659" r:id="rId11"/>
   </p:sldLayoutIdLst>
+  <mc:AlternateContent xmlns:mc="http://schemas.openxmlformats.org/markup-compatibility/2006">
+    <mc:Choice xmlns:p14="http://schemas.microsoft.com/office/powerpoint/2010/main" Requires="p14">
+      <p:transition spd="med" p14:dur="700">
+        <p:fade/>
+      </p:transition>
+    </mc:Choice>
+    <mc:Fallback>
+      <p:transition spd="med">
+        <p:fade/>
+      </p:transition>
+    </mc:Fallback>
+  </mc:AlternateContent>
   <p:txStyles>
     <p:titleStyle>
       <a:lvl1pPr algn="l" defTabSz="914400" rtl="0" eaLnBrk="1" latinLnBrk="0" hangingPunct="1">
@@ -2997,6 +3141,18 @@
   <p:clrMapOvr>
     <a:masterClrMapping/>
   </p:clrMapOvr>
+  <mc:AlternateContent xmlns:mc="http://schemas.openxmlformats.org/markup-compatibility/2006">
+    <mc:Choice xmlns:p14="http://schemas.microsoft.com/office/powerpoint/2010/main" Requires="p14">
+      <p:transition spd="med" p14:dur="700">
+        <p:fade/>
+      </p:transition>
+    </mc:Choice>
+    <mc:Fallback>
+      <p:transition spd="med">
+        <p:fade/>
+      </p:transition>
+    </mc:Fallback>
+  </mc:AlternateContent>
 </p:sld>
 </file>
 
@@ -3168,13 +3324,13 @@
   <p:clrMapOvr>
     <a:masterClrMapping/>
   </p:clrMapOvr>
-  <mc:AlternateContent xmlns:mc="http://schemas.openxmlformats.org/markup-compatibility/2006" xmlns:p14="http://schemas.microsoft.com/office/powerpoint/2010/main">
-    <mc:Choice Requires="p14">
+  <mc:AlternateContent xmlns:mc="http://schemas.openxmlformats.org/markup-compatibility/2006">
+    <mc:Choice xmlns:p14="http://schemas.microsoft.com/office/powerpoint/2010/main" Requires="p14">
       <p:transition spd="med" p14:dur="700">
         <p:fade/>
       </p:transition>
     </mc:Choice>
-    <mc:Fallback xmlns="">
+    <mc:Fallback>
       <p:transition spd="med">
         <p:fade/>
       </p:transition>
@@ -3270,7 +3426,15 @@
             </a:r>
             <a:r>
               <a:rPr lang="da-DK" dirty="0"/>
-              <a:t> with system interface (</a:t>
+              <a:t> </a:t>
+            </a:r>
+            <a:r>
+              <a:rPr lang="da-DK"/>
+              <a:t>with subsystem </a:t>
+            </a:r>
+            <a:r>
+              <a:rPr lang="da-DK" dirty="0"/>
+              <a:t>interface (</a:t>
             </a:r>
             <a:r>
               <a:rPr lang="da-DK" dirty="0" err="1"/>
@@ -3349,6 +3513,18 @@
   <p:clrMapOvr>
     <a:masterClrMapping/>
   </p:clrMapOvr>
+  <mc:AlternateContent xmlns:mc="http://schemas.openxmlformats.org/markup-compatibility/2006">
+    <mc:Choice xmlns:p14="http://schemas.microsoft.com/office/powerpoint/2010/main" Requires="p14">
+      <p:transition spd="med" p14:dur="700">
+        <p:fade/>
+      </p:transition>
+    </mc:Choice>
+    <mc:Fallback>
+      <p:transition spd="med">
+        <p:fade/>
+      </p:transition>
+    </mc:Fallback>
+  </mc:AlternateContent>
 </p:sld>
 </file>
 
@@ -3421,6 +3597,18 @@
   <p:clrMapOvr>
     <a:masterClrMapping/>
   </p:clrMapOvr>
+  <mc:AlternateContent xmlns:mc="http://schemas.openxmlformats.org/markup-compatibility/2006">
+    <mc:Choice xmlns:p14="http://schemas.microsoft.com/office/powerpoint/2010/main" Requires="p14">
+      <p:transition spd="med" p14:dur="700">
+        <p:fade/>
+      </p:transition>
+    </mc:Choice>
+    <mc:Fallback>
+      <p:transition spd="med">
+        <p:fade/>
+      </p:transition>
+    </mc:Fallback>
+  </mc:AlternateContent>
 </p:sld>
 </file>
 
@@ -3635,13 +3823,13 @@
   <p:clrMapOvr>
     <a:masterClrMapping/>
   </p:clrMapOvr>
-  <mc:AlternateContent xmlns:mc="http://schemas.openxmlformats.org/markup-compatibility/2006" xmlns:p14="http://schemas.microsoft.com/office/powerpoint/2010/main">
-    <mc:Choice Requires="p14">
+  <mc:AlternateContent xmlns:mc="http://schemas.openxmlformats.org/markup-compatibility/2006">
+    <mc:Choice xmlns:p14="http://schemas.microsoft.com/office/powerpoint/2010/main" Requires="p14">
       <p:transition spd="med" p14:dur="700">
         <p:fade/>
       </p:transition>
     </mc:Choice>
-    <mc:Fallback xmlns="">
+    <mc:Fallback>
       <p:transition spd="med">
         <p:fade/>
       </p:transition>
@@ -3874,13 +4062,13 @@
   <p:clrMapOvr>
     <a:masterClrMapping/>
   </p:clrMapOvr>
-  <mc:AlternateContent xmlns:mc="http://schemas.openxmlformats.org/markup-compatibility/2006" xmlns:p14="http://schemas.microsoft.com/office/powerpoint/2010/main">
-    <mc:Choice Requires="p14">
+  <mc:AlternateContent xmlns:mc="http://schemas.openxmlformats.org/markup-compatibility/2006">
+    <mc:Choice xmlns:p14="http://schemas.microsoft.com/office/powerpoint/2010/main" Requires="p14">
       <p:transition spd="med" p14:dur="700">
         <p:fade/>
       </p:transition>
     </mc:Choice>
-    <mc:Fallback xmlns="">
+    <mc:Fallback>
       <p:transition spd="med">
         <p:fade/>
       </p:transition>
@@ -3915,7 +4103,7 @@
         <p:spPr>
           <a:xfrm>
             <a:off x="920416" y="672345"/>
-            <a:ext cx="8127332" cy="3108543"/>
+            <a:ext cx="8127332" cy="3539430"/>
           </a:xfrm>
           <a:prstGeom prst="rect">
             <a:avLst/>
@@ -3977,29 +4165,6 @@
                 </a:solidFill>
                 <a:latin typeface="Consolas" panose="020B0609020204030204" pitchFamily="49" charset="0"/>
               </a:rPr>
-              <a:t>private string </a:t>
-            </a:r>
-            <a:r>
-              <a:rPr lang="da-DK" sz="2800" b="1">
-                <a:latin typeface="Consolas" panose="020B0609020204030204" pitchFamily="49" charset="0"/>
-              </a:rPr>
-              <a:t>_model;</a:t>
-            </a:r>
-          </a:p>
-          <a:p>
-            <a:r>
-              <a:rPr lang="da-DK" sz="2800" b="1">
-                <a:latin typeface="Consolas" panose="020B0609020204030204" pitchFamily="49" charset="0"/>
-              </a:rPr>
-              <a:t>    </a:t>
-            </a:r>
-            <a:r>
-              <a:rPr lang="da-DK" sz="2800" b="1">
-                <a:solidFill>
-                  <a:srgbClr val="0070C0"/>
-                </a:solidFill>
-                <a:latin typeface="Consolas" panose="020B0609020204030204" pitchFamily="49" charset="0"/>
-              </a:rPr>
               <a:t>private </a:t>
             </a:r>
             <a:r>
@@ -4112,7 +4277,59 @@
               <a:rPr lang="da-DK" sz="2800" b="1">
                 <a:latin typeface="Consolas" panose="020B0609020204030204" pitchFamily="49" charset="0"/>
               </a:rPr>
-              <a:t>_autoDrive;</a:t>
+              <a:t>_autoDrive;       </a:t>
+            </a:r>
+          </a:p>
+          <a:p>
+            <a:endParaRPr lang="da-DK" sz="2800" b="1">
+              <a:latin typeface="Consolas" panose="020B0609020204030204" pitchFamily="49" charset="0"/>
+            </a:endParaRPr>
+          </a:p>
+          <a:p>
+            <a:r>
+              <a:rPr lang="da-DK" sz="2800" b="1">
+                <a:solidFill>
+                  <a:srgbClr val="0070C0"/>
+                </a:solidFill>
+                <a:latin typeface="Consolas" panose="020B0609020204030204" pitchFamily="49" charset="0"/>
+              </a:rPr>
+              <a:t>    public string </a:t>
+            </a:r>
+            <a:r>
+              <a:rPr lang="da-DK" sz="2800" b="1">
+                <a:latin typeface="Consolas" panose="020B0609020204030204" pitchFamily="49" charset="0"/>
+              </a:rPr>
+              <a:t>Model { </a:t>
+            </a:r>
+            <a:r>
+              <a:rPr lang="da-DK" sz="2800" b="1">
+                <a:solidFill>
+                  <a:srgbClr val="0070C0"/>
+                </a:solidFill>
+                <a:latin typeface="Consolas" panose="020B0609020204030204" pitchFamily="49" charset="0"/>
+              </a:rPr>
+              <a:t>get</a:t>
+            </a:r>
+            <a:r>
+              <a:rPr lang="da-DK" sz="2800" b="1">
+                <a:latin typeface="Consolas" panose="020B0609020204030204" pitchFamily="49" charset="0"/>
+              </a:rPr>
+              <a:t>; </a:t>
+            </a:r>
+            <a:r>
+              <a:rPr lang="da-DK" sz="2800" b="1">
+                <a:solidFill>
+                  <a:srgbClr val="0070C0"/>
+                </a:solidFill>
+                <a:latin typeface="Consolas" panose="020B0609020204030204" pitchFamily="49" charset="0"/>
+              </a:rPr>
+              <a:t>set</a:t>
+            </a:r>
+            <a:r>
+              <a:rPr lang="da-DK" sz="2800" b="1">
+                <a:latin typeface="Consolas" panose="020B0609020204030204" pitchFamily="49" charset="0"/>
+              </a:rPr>
+              <a:t>; };</a:t>
             </a:r>
           </a:p>
           <a:p>
@@ -4135,6 +4352,18 @@
   <p:clrMapOvr>
     <a:masterClrMapping/>
   </p:clrMapOvr>
+  <mc:AlternateContent xmlns:mc="http://schemas.openxmlformats.org/markup-compatibility/2006">
+    <mc:Choice xmlns:p14="http://schemas.microsoft.com/office/powerpoint/2010/main" Requires="p14">
+      <p:transition spd="med" p14:dur="700">
+        <p:fade/>
+      </p:transition>
+    </mc:Choice>
+    <mc:Fallback>
+      <p:transition spd="med">
+        <p:fade/>
+      </p:transition>
+    </mc:Fallback>
+  </mc:AlternateContent>
 </p:sld>
 </file>
 
@@ -4164,7 +4393,7 @@
         <p:spPr>
           <a:xfrm>
             <a:off x="920416" y="672345"/>
-            <a:ext cx="8127332" cy="3108543"/>
+            <a:ext cx="8127332" cy="3539430"/>
           </a:xfrm>
           <a:prstGeom prst="rect">
             <a:avLst/>
@@ -4221,8 +4450,13 @@
               <a:rPr lang="da-DK" sz="2800" b="1">
                 <a:latin typeface="Consolas" panose="020B0609020204030204" pitchFamily="49" charset="0"/>
               </a:rPr>
-              <a:t>    _model = model;</a:t>
-            </a:r>
+              <a:t>    Model = model;</a:t>
+            </a:r>
+          </a:p>
+          <a:p>
+            <a:endParaRPr lang="da-DK" sz="2800" b="1">
+              <a:latin typeface="Consolas" panose="020B0609020204030204" pitchFamily="49" charset="0"/>
+            </a:endParaRPr>
           </a:p>
           <a:p>
             <a:r>
@@ -4364,6 +4598,18 @@
   <p:clrMapOvr>
     <a:masterClrMapping/>
   </p:clrMapOvr>
+  <mc:AlternateContent xmlns:mc="http://schemas.openxmlformats.org/markup-compatibility/2006">
+    <mc:Choice xmlns:p14="http://schemas.microsoft.com/office/powerpoint/2010/main" Requires="p14">
+      <p:transition spd="med" p14:dur="700">
+        <p:fade/>
+      </p:transition>
+    </mc:Choice>
+    <mc:Fallback>
+      <p:transition spd="med">
+        <p:fade/>
+      </p:transition>
+    </mc:Fallback>
+  </mc:AlternateContent>
 </p:sld>
 </file>
 
@@ -4474,6 +4720,18 @@
   <p:clrMapOvr>
     <a:masterClrMapping/>
   </p:clrMapOvr>
+  <mc:AlternateContent xmlns:mc="http://schemas.openxmlformats.org/markup-compatibility/2006">
+    <mc:Choice xmlns:p14="http://schemas.microsoft.com/office/powerpoint/2010/main" Requires="p14">
+      <p:transition spd="med" p14:dur="700">
+        <p:fade/>
+      </p:transition>
+    </mc:Choice>
+    <mc:Fallback>
+      <p:transition spd="med">
+        <p:fade/>
+      </p:transition>
+    </mc:Fallback>
+  </mc:AlternateContent>
 </p:sld>
 </file>
 
@@ -4638,6 +4896,18 @@
   <p:clrMapOvr>
     <a:masterClrMapping/>
   </p:clrMapOvr>
+  <mc:AlternateContent xmlns:mc="http://schemas.openxmlformats.org/markup-compatibility/2006">
+    <mc:Choice xmlns:p14="http://schemas.microsoft.com/office/powerpoint/2010/main" Requires="p14">
+      <p:transition spd="med" p14:dur="700">
+        <p:fade/>
+      </p:transition>
+    </mc:Choice>
+    <mc:Fallback>
+      <p:transition spd="med">
+        <p:fade/>
+      </p:transition>
+    </mc:Fallback>
+  </mc:AlternateContent>
 </p:sld>
 </file>
 
@@ -4957,13 +5227,13 @@
   <p:clrMapOvr>
     <a:masterClrMapping/>
   </p:clrMapOvr>
-  <mc:AlternateContent xmlns:mc="http://schemas.openxmlformats.org/markup-compatibility/2006" xmlns:p14="http://schemas.microsoft.com/office/powerpoint/2010/main">
-    <mc:Choice Requires="p14">
+  <mc:AlternateContent xmlns:mc="http://schemas.openxmlformats.org/markup-compatibility/2006">
+    <mc:Choice xmlns:p14="http://schemas.microsoft.com/office/powerpoint/2010/main" Requires="p14">
       <p:transition spd="med" p14:dur="700">
         <p:fade/>
       </p:transition>
     </mc:Choice>
-    <mc:Fallback xmlns="">
+    <mc:Fallback>
       <p:transition spd="med">
         <p:fade/>
       </p:transition>
